--- a/Poster-PPT.pptx
+++ b/Poster-PPT.pptx
@@ -136,12 +136,12 @@
   <pc:docChgLst>
     <pc:chgData name="Jonnel Acoba" userId="62ea16e7395004f0" providerId="LiveId" clId="{582C7735-1652-4AF6-ABA8-E1F2AC219DE4}"/>
     <pc:docChg chg="undo redo custSel modSld modMainMaster modNotesMaster">
-      <pc:chgData name="Jonnel Acoba" userId="62ea16e7395004f0" providerId="LiveId" clId="{582C7735-1652-4AF6-ABA8-E1F2AC219DE4}" dt="2021-05-10T01:45:11.110" v="1335" actId="313"/>
+      <pc:chgData name="Jonnel Acoba" userId="62ea16e7395004f0" providerId="LiveId" clId="{582C7735-1652-4AF6-ABA8-E1F2AC219DE4}" dt="2021-05-10T03:22:00.346" v="1399" actId="20577"/>
       <pc:docMkLst>
         <pc:docMk/>
       </pc:docMkLst>
       <pc:sldChg chg="addSp delSp modSp mod modNotes">
-        <pc:chgData name="Jonnel Acoba" userId="62ea16e7395004f0" providerId="LiveId" clId="{582C7735-1652-4AF6-ABA8-E1F2AC219DE4}" dt="2021-05-10T01:45:11.110" v="1335" actId="313"/>
+        <pc:chgData name="Jonnel Acoba" userId="62ea16e7395004f0" providerId="LiveId" clId="{582C7735-1652-4AF6-ABA8-E1F2AC219DE4}" dt="2021-05-10T03:22:00.346" v="1399" actId="20577"/>
         <pc:sldMkLst>
           <pc:docMk/>
           <pc:sldMk cId="2242600264" sldId="256"/>
@@ -179,7 +179,7 @@
           </ac:spMkLst>
         </pc:spChg>
         <pc:spChg chg="mod">
-          <ac:chgData name="Jonnel Acoba" userId="62ea16e7395004f0" providerId="LiveId" clId="{582C7735-1652-4AF6-ABA8-E1F2AC219DE4}" dt="2021-05-10T01:19:18.522" v="1203" actId="20577"/>
+          <ac:chgData name="Jonnel Acoba" userId="62ea16e7395004f0" providerId="LiveId" clId="{582C7735-1652-4AF6-ABA8-E1F2AC219DE4}" dt="2021-05-10T03:22:00.346" v="1399" actId="20577"/>
           <ac:spMkLst>
             <pc:docMk/>
             <pc:sldMk cId="2242600264" sldId="256"/>
@@ -243,7 +243,7 @@
           </ac:spMkLst>
         </pc:spChg>
         <pc:spChg chg="mod">
-          <ac:chgData name="Jonnel Acoba" userId="62ea16e7395004f0" providerId="LiveId" clId="{582C7735-1652-4AF6-ABA8-E1F2AC219DE4}" dt="2021-05-06T02:11:11.331" v="24" actId="1038"/>
+          <ac:chgData name="Jonnel Acoba" userId="62ea16e7395004f0" providerId="LiveId" clId="{582C7735-1652-4AF6-ABA8-E1F2AC219DE4}" dt="2021-05-10T01:57:43.438" v="1347" actId="20577"/>
           <ac:spMkLst>
             <pc:docMk/>
             <pc:sldMk cId="2242600264" sldId="256"/>
@@ -4799,7 +4799,29 @@
                 <a:ea typeface="Interstate" charset="0"/>
                 <a:cs typeface="Helvetica" panose="020B0604020202020204" pitchFamily="34" charset="0"/>
               </a:rPr>
-              <a:t>Over the years, destructive natural disasters have adversely impacted economies, claimed lives, and damaged properties. Various literatures posit that aside from inherent [exposure] risk of countries, the increase in more destructive natural disasters is predicated by the worsening state of the environment (climate change).</a:t>
+              <a:t>Over the years, destructive natural disasters have adversely impacted economies, claimed lives, and damaged properties. Various literatures posit that aside from inherent [exposure] risk of countries, the prevalence of devastating </a:t>
+            </a:r>
+            <a:r>
+              <a:rPr lang="en-US" sz="3000">
+                <a:solidFill>
+                  <a:schemeClr val="tx1"/>
+                </a:solidFill>
+                <a:latin typeface="Helvetica" panose="020B0604020202020204" pitchFamily="34" charset="0"/>
+                <a:ea typeface="Interstate" charset="0"/>
+                <a:cs typeface="Helvetica" panose="020B0604020202020204" pitchFamily="34" charset="0"/>
+              </a:rPr>
+              <a:t>natural disasters is </a:t>
+            </a:r>
+            <a:r>
+              <a:rPr lang="en-US" sz="3000" dirty="0">
+                <a:solidFill>
+                  <a:schemeClr val="tx1"/>
+                </a:solidFill>
+                <a:latin typeface="Helvetica" panose="020B0604020202020204" pitchFamily="34" charset="0"/>
+                <a:ea typeface="Interstate" charset="0"/>
+                <a:cs typeface="Helvetica" panose="020B0604020202020204" pitchFamily="34" charset="0"/>
+              </a:rPr>
+              <a:t>predicated by the worsening state of the environment (climate change).</a:t>
             </a:r>
           </a:p>
           <a:p>
@@ -6234,7 +6256,7 @@
                 <a:ea typeface="Interstate" charset="0"/>
                 <a:cs typeface="Helvetica" panose="020B0604020202020204" pitchFamily="34" charset="0"/>
               </a:rPr>
-              <a:t>Performance in environmental sustainability management is negatively correlated with the risk of natural disaster.</a:t>
+              <a:t>Performance in environmental sustainability management (EPI) is negatively correlated with the risk of natural disaster (WRI).</a:t>
             </a:r>
           </a:p>
           <a:p>
@@ -7201,8 +7223,27 @@
                 <a:ea typeface="Interstate" charset="0"/>
                 <a:cs typeface="Helvetica" panose="020B0604020202020204" pitchFamily="34" charset="0"/>
               </a:rPr>
-              <a:t>Potential study focus [new dimension of public sector performance audits] in reevaluating environmental sustainability management efforts, especially for inherently risky countries (many developing countries).</a:t>
-            </a:r>
+              <a:t>Potential study focus [new dimension of public sector performance audits] in reevaluating environmental sustainability management efforts, especially for inherently risky countries (many developing countries</a:t>
+            </a:r>
+            <a:r>
+              <a:rPr lang="en-US" sz="3600">
+                <a:solidFill>
+                  <a:schemeClr val="tx1"/>
+                </a:solidFill>
+                <a:latin typeface="Helvetica" panose="020B0604020202020204" pitchFamily="34" charset="0"/>
+                <a:ea typeface="Interstate" charset="0"/>
+                <a:cs typeface="Helvetica" panose="020B0604020202020204" pitchFamily="34" charset="0"/>
+              </a:rPr>
+              <a:t>)</a:t>
+            </a:r>
+            <a:endParaRPr lang="en-US" sz="3600" dirty="0">
+              <a:solidFill>
+                <a:schemeClr val="tx1"/>
+              </a:solidFill>
+              <a:latin typeface="Helvetica" panose="020B0604020202020204" pitchFamily="34" charset="0"/>
+              <a:ea typeface="Interstate" charset="0"/>
+              <a:cs typeface="Helvetica" panose="020B0604020202020204" pitchFamily="34" charset="0"/>
+            </a:endParaRPr>
           </a:p>
           <a:p>
             <a:pPr algn="l"/>
